--- a/public/ver_2/Stimuli/forage_instructions.pptx
+++ b/public/ver_2/Stimuli/forage_instructions.pptx
@@ -250,7 +250,7 @@
           <a:p>
             <a:fld id="{1814E929-3373-45CD-AA52-0EA1737F23A4}" type="datetimeFigureOut">
               <a:rPr lang="en-GB" smtClean="0"/>
-              <a:t>22/10/2019</a:t>
+              <a:t>23/10/2019</a:t>
             </a:fld>
             <a:endParaRPr lang="en-GB"/>
           </a:p>
@@ -420,7 +420,7 @@
           <a:p>
             <a:fld id="{1814E929-3373-45CD-AA52-0EA1737F23A4}" type="datetimeFigureOut">
               <a:rPr lang="en-GB" smtClean="0"/>
-              <a:t>22/10/2019</a:t>
+              <a:t>23/10/2019</a:t>
             </a:fld>
             <a:endParaRPr lang="en-GB"/>
           </a:p>
@@ -600,7 +600,7 @@
           <a:p>
             <a:fld id="{1814E929-3373-45CD-AA52-0EA1737F23A4}" type="datetimeFigureOut">
               <a:rPr lang="en-GB" smtClean="0"/>
-              <a:t>22/10/2019</a:t>
+              <a:t>23/10/2019</a:t>
             </a:fld>
             <a:endParaRPr lang="en-GB"/>
           </a:p>
@@ -770,7 +770,7 @@
           <a:p>
             <a:fld id="{1814E929-3373-45CD-AA52-0EA1737F23A4}" type="datetimeFigureOut">
               <a:rPr lang="en-GB" smtClean="0"/>
-              <a:t>22/10/2019</a:t>
+              <a:t>23/10/2019</a:t>
             </a:fld>
             <a:endParaRPr lang="en-GB"/>
           </a:p>
@@ -1014,7 +1014,7 @@
           <a:p>
             <a:fld id="{1814E929-3373-45CD-AA52-0EA1737F23A4}" type="datetimeFigureOut">
               <a:rPr lang="en-GB" smtClean="0"/>
-              <a:t>22/10/2019</a:t>
+              <a:t>23/10/2019</a:t>
             </a:fld>
             <a:endParaRPr lang="en-GB"/>
           </a:p>
@@ -1246,7 +1246,7 @@
           <a:p>
             <a:fld id="{1814E929-3373-45CD-AA52-0EA1737F23A4}" type="datetimeFigureOut">
               <a:rPr lang="en-GB" smtClean="0"/>
-              <a:t>22/10/2019</a:t>
+              <a:t>23/10/2019</a:t>
             </a:fld>
             <a:endParaRPr lang="en-GB"/>
           </a:p>
@@ -1613,7 +1613,7 @@
           <a:p>
             <a:fld id="{1814E929-3373-45CD-AA52-0EA1737F23A4}" type="datetimeFigureOut">
               <a:rPr lang="en-GB" smtClean="0"/>
-              <a:t>22/10/2019</a:t>
+              <a:t>23/10/2019</a:t>
             </a:fld>
             <a:endParaRPr lang="en-GB"/>
           </a:p>
@@ -1731,7 +1731,7 @@
           <a:p>
             <a:fld id="{1814E929-3373-45CD-AA52-0EA1737F23A4}" type="datetimeFigureOut">
               <a:rPr lang="en-GB" smtClean="0"/>
-              <a:t>22/10/2019</a:t>
+              <a:t>23/10/2019</a:t>
             </a:fld>
             <a:endParaRPr lang="en-GB"/>
           </a:p>
@@ -1826,7 +1826,7 @@
           <a:p>
             <a:fld id="{1814E929-3373-45CD-AA52-0EA1737F23A4}" type="datetimeFigureOut">
               <a:rPr lang="en-GB" smtClean="0"/>
-              <a:t>22/10/2019</a:t>
+              <a:t>23/10/2019</a:t>
             </a:fld>
             <a:endParaRPr lang="en-GB"/>
           </a:p>
@@ -2103,7 +2103,7 @@
           <a:p>
             <a:fld id="{1814E929-3373-45CD-AA52-0EA1737F23A4}" type="datetimeFigureOut">
               <a:rPr lang="en-GB" smtClean="0"/>
-              <a:t>22/10/2019</a:t>
+              <a:t>23/10/2019</a:t>
             </a:fld>
             <a:endParaRPr lang="en-GB"/>
           </a:p>
@@ -2360,7 +2360,7 @@
           <a:p>
             <a:fld id="{1814E929-3373-45CD-AA52-0EA1737F23A4}" type="datetimeFigureOut">
               <a:rPr lang="en-GB" smtClean="0"/>
-              <a:t>22/10/2019</a:t>
+              <a:t>23/10/2019</a:t>
             </a:fld>
             <a:endParaRPr lang="en-GB"/>
           </a:p>
@@ -2573,7 +2573,7 @@
           <a:p>
             <a:fld id="{1814E929-3373-45CD-AA52-0EA1737F23A4}" type="datetimeFigureOut">
               <a:rPr lang="en-GB" smtClean="0"/>
-              <a:t>22/10/2019</a:t>
+              <a:t>23/10/2019</a:t>
             </a:fld>
             <a:endParaRPr lang="en-GB"/>
           </a:p>
@@ -3005,7 +3005,7 @@
               <a:rPr lang="en-GB" dirty="0" smtClean="0">
                 <a:latin typeface="+mj-lt"/>
               </a:rPr>
-              <a:t>£3.25 </a:t>
+              <a:t>£2.50 </a:t>
             </a:r>
             <a:r>
               <a:rPr lang="en-GB" dirty="0">
@@ -3017,8 +3017,11 @@
               <a:rPr lang="en-GB" dirty="0" smtClean="0">
                 <a:latin typeface="+mj-lt"/>
               </a:rPr>
-              <a:t>£2. </a:t>
-            </a:r>
+              <a:t>£1.25 </a:t>
+            </a:r>
+            <a:endParaRPr lang="en-GB" dirty="0" smtClean="0">
+              <a:latin typeface="+mj-lt"/>
+            </a:endParaRPr>
           </a:p>
           <a:p>
             <a:r>
@@ -3123,9 +3126,6 @@
               </a:rPr>
               <a:t>. </a:t>
             </a:r>
-            <a:endParaRPr lang="en-GB" dirty="0" smtClean="0">
-              <a:latin typeface="+mj-lt"/>
-            </a:endParaRPr>
           </a:p>
           <a:p>
             <a:r>
@@ -3264,7 +3264,7 @@
         <p:spPr/>
         <p:txBody>
           <a:bodyPr>
-            <a:normAutofit fontScale="92500"/>
+            <a:normAutofit/>
           </a:bodyPr>
           <a:lstStyle/>
           <a:p>
@@ -3308,56 +3308,57 @@
               <a:rPr lang="en-GB" dirty="0" smtClean="0">
                 <a:latin typeface="+mj-lt"/>
               </a:rPr>
-              <a:t>use to move rightward on the screen as well as a single key (the HARVEST key) that you must press in order to collect points when you are at a tree. </a:t>
-            </a:r>
-          </a:p>
-          <a:p>
-            <a:r>
-              <a:rPr lang="en-GB" dirty="0" smtClean="0">
-                <a:latin typeface="+mj-lt"/>
-              </a:rPr>
-              <a:t>Prior </a:t>
-            </a:r>
-            <a:r>
-              <a:rPr lang="en-GB" dirty="0" smtClean="0">
-                <a:latin typeface="+mj-lt"/>
-              </a:rPr>
-              <a:t>to </a:t>
-            </a:r>
-            <a:r>
-              <a:rPr lang="en-GB" dirty="0" smtClean="0">
-                <a:latin typeface="+mj-lt"/>
-              </a:rPr>
-              <a:t>each </a:t>
-            </a:r>
-            <a:r>
-              <a:rPr lang="en-GB" dirty="0" smtClean="0">
-                <a:latin typeface="+mj-lt"/>
-              </a:rPr>
-              <a:t>round, you will be informed of </a:t>
-            </a:r>
-            <a:r>
-              <a:rPr lang="en-GB" dirty="0" smtClean="0">
-                <a:latin typeface="+mj-lt"/>
-              </a:rPr>
-              <a:t>the travel sequence </a:t>
-            </a:r>
-            <a:r>
-              <a:rPr lang="en-GB" dirty="0" smtClean="0">
-                <a:latin typeface="+mj-lt"/>
-              </a:rPr>
-              <a:t>and the harvest key for that round.</a:t>
-            </a:r>
-            <a:endParaRPr lang="en-GB" dirty="0" smtClean="0">
-              <a:latin typeface="+mj-lt"/>
-            </a:endParaRPr>
-          </a:p>
-          <a:p>
-            <a:r>
-              <a:rPr lang="en-GB" dirty="0" smtClean="0">
-                <a:latin typeface="+mj-lt"/>
-              </a:rPr>
-              <a:t>Additionally, during each round, both the TRAVEL sequence and the HARVEST key will be printed on the screen. When traveling, which key you have just pressed will be highlighted in blue.</a:t>
+              <a:t>use to move rightward on the screen as well as a </a:t>
+            </a:r>
+            <a:r>
+              <a:rPr lang="en-GB" b="1" dirty="0" smtClean="0">
+                <a:latin typeface="+mj-lt"/>
+              </a:rPr>
+              <a:t>single key (the </a:t>
+            </a:r>
+            <a:r>
+              <a:rPr lang="en-GB" b="1" dirty="0" smtClean="0">
+                <a:latin typeface="+mj-lt"/>
+              </a:rPr>
+              <a:t>‘HARVEST’ </a:t>
+            </a:r>
+            <a:r>
+              <a:rPr lang="en-GB" b="1" dirty="0" smtClean="0">
+                <a:latin typeface="+mj-lt"/>
+              </a:rPr>
+              <a:t>key) </a:t>
+            </a:r>
+            <a:r>
+              <a:rPr lang="en-GB" dirty="0" smtClean="0">
+                <a:latin typeface="+mj-lt"/>
+              </a:rPr>
+              <a:t>that you must press </a:t>
+            </a:r>
+            <a:r>
+              <a:rPr lang="en-GB" dirty="0" smtClean="0">
+                <a:latin typeface="+mj-lt"/>
+              </a:rPr>
+              <a:t>repeatedly in </a:t>
+            </a:r>
+            <a:r>
+              <a:rPr lang="en-GB" dirty="0" smtClean="0">
+                <a:latin typeface="+mj-lt"/>
+              </a:rPr>
+              <a:t>order to collect points when you are at a tree. </a:t>
+            </a:r>
+          </a:p>
+          <a:p>
+            <a:r>
+              <a:rPr lang="en-GB" dirty="0" smtClean="0">
+                <a:latin typeface="+mj-lt"/>
+              </a:rPr>
+              <a:t>Prior to each round, you will be informed of the travel sequence and the harvest key for that round</a:t>
+            </a:r>
+            <a:r>
+              <a:rPr lang="en-GB" dirty="0" smtClean="0">
+                <a:latin typeface="+mj-lt"/>
+              </a:rPr>
+              <a:t>.</a:t>
             </a:r>
             <a:endParaRPr lang="en-GB" dirty="0" smtClean="0">
               <a:latin typeface="+mj-lt"/>
@@ -3414,13 +3415,13 @@
         </p:nvSpPr>
         <p:spPr>
           <a:xfrm>
-            <a:off x="628650" y="2226469"/>
-            <a:ext cx="4239406" cy="3263504"/>
+            <a:off x="584649" y="1674271"/>
+            <a:ext cx="4239406" cy="4235939"/>
           </a:xfrm>
         </p:spPr>
         <p:txBody>
           <a:bodyPr>
-            <a:normAutofit fontScale="62500" lnSpcReduction="20000"/>
+            <a:normAutofit fontScale="77500" lnSpcReduction="20000"/>
           </a:bodyPr>
           <a:lstStyle/>
           <a:p>
@@ -3499,19 +3500,7 @@
               <a:rPr lang="en-GB" dirty="0" smtClean="0">
                 <a:latin typeface="+mj-lt"/>
               </a:rPr>
-              <a:t>to press </a:t>
-            </a:r>
-            <a:r>
-              <a:rPr lang="en-GB" dirty="0" smtClean="0">
-                <a:latin typeface="+mj-lt"/>
-              </a:rPr>
-              <a:t>the</a:t>
-            </a:r>
-            <a:r>
-              <a:rPr lang="en-GB" dirty="0" smtClean="0">
-                <a:latin typeface="+mj-lt"/>
-              </a:rPr>
-              <a:t> </a:t>
+              <a:t>to press the </a:t>
             </a:r>
             <a:r>
               <a:rPr lang="en-GB" dirty="0">
@@ -3656,13 +3645,8 @@
             </a:r>
             <a:r>
               <a:rPr lang="en-GB" sz="900" dirty="0"/>
-              <a:t>Y</a:t>
-            </a:r>
-            <a:r>
-              <a:rPr lang="en-GB" sz="900" dirty="0"/>
-              <a:t>ou</a:t>
-            </a:r>
-            <a:endParaRPr lang="en-GB" sz="900" dirty="0"/>
+              <a:t>You</a:t>
+            </a:r>
           </a:p>
         </p:txBody>
       </p:sp>
@@ -3724,7 +3708,6 @@
               <a:rPr lang="en-GB" sz="900" dirty="0"/>
               <a:t> A Tree</a:t>
             </a:r>
-            <a:endParaRPr lang="en-GB" sz="900" dirty="0"/>
           </a:p>
         </p:txBody>
       </p:sp>
@@ -3996,19 +3979,7 @@
               <a:rPr lang="en-GB" b="1" dirty="0" smtClean="0">
                 <a:latin typeface="+mj-lt"/>
               </a:rPr>
-              <a:t>press </a:t>
-            </a:r>
-            <a:r>
-              <a:rPr lang="en-GB" b="1" dirty="0" smtClean="0">
-                <a:latin typeface="+mj-lt"/>
-              </a:rPr>
-              <a:t>the HARVEST </a:t>
-            </a:r>
-            <a:r>
-              <a:rPr lang="en-GB" b="1" dirty="0" smtClean="0">
-                <a:latin typeface="+mj-lt"/>
-              </a:rPr>
-              <a:t>key</a:t>
+              <a:t>press the HARVEST key</a:t>
             </a:r>
             <a:r>
               <a:rPr lang="en-GB" dirty="0" smtClean="0">
@@ -4084,7 +4055,6 @@
               <a:rPr lang="en-GB" sz="900" dirty="0"/>
               <a:t>The tree’s top will turn yellow when you reach it.</a:t>
             </a:r>
-            <a:endParaRPr lang="en-GB" sz="900" dirty="0"/>
           </a:p>
         </p:txBody>
       </p:sp>
@@ -4117,11 +4087,6 @@
               </a:rPr>
               <a:t>100</a:t>
             </a:r>
-            <a:endParaRPr lang="en-GB" sz="900" dirty="0">
-              <a:solidFill>
-                <a:srgbClr val="FF0000"/>
-              </a:solidFill>
-            </a:endParaRPr>
           </a:p>
         </p:txBody>
       </p:sp>
@@ -4154,11 +4119,6 @@
               </a:rPr>
               <a:t>90</a:t>
             </a:r>
-            <a:endParaRPr lang="en-GB" sz="900" dirty="0">
-              <a:solidFill>
-                <a:srgbClr val="FF0000"/>
-              </a:solidFill>
-            </a:endParaRPr>
           </a:p>
         </p:txBody>
       </p:sp>
@@ -4220,8 +4180,24 @@
           <a:lstStyle/>
           <a:p>
             <a:r>
+              <a:rPr lang="en-GB" sz="900" dirty="0" smtClean="0"/>
+              <a:t>Repeatedly e</a:t>
+            </a:r>
+            <a:r>
+              <a:rPr lang="en-GB" sz="900" dirty="0" smtClean="0"/>
+              <a:t>ntering </a:t>
+            </a:r>
+            <a:r>
               <a:rPr lang="en-GB" sz="900" dirty="0"/>
-              <a:t>Entering the harvest sequence when you’re at a tree will cause points to fall. </a:t>
+              <a:t>the harvest </a:t>
+            </a:r>
+            <a:r>
+              <a:rPr lang="en-GB" sz="900" dirty="0" smtClean="0"/>
+              <a:t>key </a:t>
+            </a:r>
+            <a:r>
+              <a:rPr lang="en-GB" sz="900" dirty="0"/>
+              <a:t>when you’re at a tree will cause points to fall. </a:t>
             </a:r>
           </a:p>
           <a:p>
@@ -4232,7 +4208,6 @@
               <a:rPr lang="en-GB" sz="900" dirty="0"/>
               <a:t>The number of points will tend to decrease with each press.</a:t>
             </a:r>
-            <a:endParaRPr lang="en-GB" sz="900" dirty="0"/>
           </a:p>
         </p:txBody>
       </p:sp>
@@ -4319,12 +4294,12 @@
         <p:spPr>
           <a:xfrm>
             <a:off x="628650" y="1651335"/>
-            <a:ext cx="4408045" cy="3874733"/>
+            <a:ext cx="4408045" cy="4540459"/>
           </a:xfrm>
         </p:spPr>
         <p:txBody>
           <a:bodyPr>
-            <a:normAutofit fontScale="62500" lnSpcReduction="20000"/>
+            <a:normAutofit fontScale="70000" lnSpcReduction="20000"/>
           </a:bodyPr>
           <a:lstStyle/>
           <a:p>
@@ -4527,7 +4502,6 @@
               <a:rPr lang="en-GB" sz="900" dirty="0"/>
               <a:t>After entering the TRAVEL sequence, a new tree will appear, to which you can travel.</a:t>
             </a:r>
-            <a:endParaRPr lang="en-GB" sz="900" dirty="0"/>
           </a:p>
         </p:txBody>
       </p:sp>
@@ -4580,13 +4554,13 @@
         </p:nvSpPr>
         <p:spPr>
           <a:xfrm>
-            <a:off x="231608" y="1561566"/>
-            <a:ext cx="8177165" cy="3983017"/>
+            <a:off x="309986" y="339634"/>
+            <a:ext cx="8177165" cy="6518365"/>
           </a:xfrm>
         </p:spPr>
         <p:txBody>
           <a:bodyPr>
-            <a:normAutofit fontScale="77500" lnSpcReduction="20000"/>
+            <a:normAutofit fontScale="92500" lnSpcReduction="20000"/>
           </a:bodyPr>
           <a:lstStyle/>
           <a:p>
@@ -4594,7 +4568,34 @@
               <a:rPr lang="en-GB" dirty="0" smtClean="0">
                 <a:latin typeface="+mj-lt"/>
               </a:rPr>
-              <a:t>For all the rounds, regardless of the keys, please arrange your hands so that your left </a:t>
+              <a:t>For all the rounds, regardless of </a:t>
+            </a:r>
+            <a:r>
+              <a:rPr lang="en-GB" dirty="0" smtClean="0">
+                <a:latin typeface="+mj-lt"/>
+              </a:rPr>
+              <a:t>the particular sequence key, </a:t>
+            </a:r>
+            <a:r>
+              <a:rPr lang="en-GB" dirty="0" smtClean="0">
+                <a:latin typeface="+mj-lt"/>
+              </a:rPr>
+              <a:t>please arrange your hands </a:t>
+            </a:r>
+            <a:r>
+              <a:rPr lang="en-GB" dirty="0" smtClean="0">
+                <a:latin typeface="+mj-lt"/>
+              </a:rPr>
+              <a:t>as follows:</a:t>
+            </a:r>
+          </a:p>
+          <a:p>
+            <a:pPr lvl="1"/>
+            <a:r>
+              <a:rPr lang="en-GB" dirty="0" smtClean="0">
+                <a:latin typeface="+mj-lt"/>
+              </a:rPr>
+              <a:t>left </a:t>
             </a:r>
             <a:r>
               <a:rPr lang="en-GB" dirty="0" err="1" smtClean="0">
@@ -4606,7 +4607,121 @@
               <a:rPr lang="en-GB" dirty="0" smtClean="0">
                 <a:latin typeface="+mj-lt"/>
               </a:rPr>
-              <a:t> is on the ‘A’ key, your left index finger is on the ‘F’ key, your right index finger is on the ‘H’ key, your right middle finger is on the ‘J’ key and your right </a:t>
+              <a:t> </a:t>
+            </a:r>
+            <a:r>
+              <a:rPr lang="en-GB" dirty="0" smtClean="0">
+                <a:latin typeface="+mj-lt"/>
+              </a:rPr>
+              <a:t>on </a:t>
+            </a:r>
+            <a:r>
+              <a:rPr lang="en-GB" dirty="0" smtClean="0">
+                <a:latin typeface="+mj-lt"/>
+              </a:rPr>
+              <a:t>the ‘A’ key, </a:t>
+            </a:r>
+            <a:endParaRPr lang="en-GB" dirty="0" smtClean="0">
+              <a:latin typeface="+mj-lt"/>
+            </a:endParaRPr>
+          </a:p>
+          <a:p>
+            <a:pPr lvl="1"/>
+            <a:r>
+              <a:rPr lang="en-GB" dirty="0" smtClean="0">
+                <a:latin typeface="+mj-lt"/>
+              </a:rPr>
+              <a:t>left </a:t>
+            </a:r>
+            <a:r>
+              <a:rPr lang="en-GB" dirty="0" smtClean="0">
+                <a:latin typeface="+mj-lt"/>
+              </a:rPr>
+              <a:t>index </a:t>
+            </a:r>
+            <a:r>
+              <a:rPr lang="en-GB" dirty="0" smtClean="0">
+                <a:latin typeface="+mj-lt"/>
+              </a:rPr>
+              <a:t>finger </a:t>
+            </a:r>
+            <a:r>
+              <a:rPr lang="en-GB" dirty="0" smtClean="0">
+                <a:latin typeface="+mj-lt"/>
+              </a:rPr>
+              <a:t>on the ‘F’ key, </a:t>
+            </a:r>
+            <a:endParaRPr lang="en-GB" dirty="0" smtClean="0">
+              <a:latin typeface="+mj-lt"/>
+            </a:endParaRPr>
+          </a:p>
+          <a:p>
+            <a:pPr lvl="1"/>
+            <a:r>
+              <a:rPr lang="en-GB" dirty="0" smtClean="0">
+                <a:latin typeface="+mj-lt"/>
+              </a:rPr>
+              <a:t>right </a:t>
+            </a:r>
+            <a:r>
+              <a:rPr lang="en-GB" dirty="0" smtClean="0">
+                <a:latin typeface="+mj-lt"/>
+              </a:rPr>
+              <a:t>index </a:t>
+            </a:r>
+            <a:r>
+              <a:rPr lang="en-GB" dirty="0" smtClean="0">
+                <a:latin typeface="+mj-lt"/>
+              </a:rPr>
+              <a:t>finger </a:t>
+            </a:r>
+            <a:r>
+              <a:rPr lang="en-GB" dirty="0" smtClean="0">
+                <a:latin typeface="+mj-lt"/>
+              </a:rPr>
+              <a:t>on the ‘H’ key, </a:t>
+            </a:r>
+            <a:endParaRPr lang="en-GB" dirty="0" smtClean="0">
+              <a:latin typeface="+mj-lt"/>
+            </a:endParaRPr>
+          </a:p>
+          <a:p>
+            <a:pPr lvl="1"/>
+            <a:r>
+              <a:rPr lang="en-GB" dirty="0" smtClean="0">
+                <a:latin typeface="+mj-lt"/>
+              </a:rPr>
+              <a:t>right </a:t>
+            </a:r>
+            <a:r>
+              <a:rPr lang="en-GB" dirty="0" smtClean="0">
+                <a:latin typeface="+mj-lt"/>
+              </a:rPr>
+              <a:t>middle </a:t>
+            </a:r>
+            <a:r>
+              <a:rPr lang="en-GB" dirty="0" smtClean="0">
+                <a:latin typeface="+mj-lt"/>
+              </a:rPr>
+              <a:t>finger </a:t>
+            </a:r>
+            <a:r>
+              <a:rPr lang="en-GB" dirty="0" smtClean="0">
+                <a:latin typeface="+mj-lt"/>
+              </a:rPr>
+              <a:t>on the ‘J’ key and </a:t>
+            </a:r>
+            <a:endParaRPr lang="en-GB" dirty="0" smtClean="0">
+              <a:latin typeface="+mj-lt"/>
+            </a:endParaRPr>
+          </a:p>
+          <a:p>
+            <a:pPr lvl="1"/>
+            <a:r>
+              <a:rPr lang="en-GB" dirty="0" smtClean="0">
+                <a:latin typeface="+mj-lt"/>
+              </a:rPr>
+              <a:t>right </a:t>
             </a:r>
             <a:r>
               <a:rPr lang="en-GB" dirty="0" err="1" smtClean="0">
@@ -4618,8 +4733,47 @@
               <a:rPr lang="en-GB" dirty="0" smtClean="0">
                 <a:latin typeface="+mj-lt"/>
               </a:rPr>
-              <a:t> is on the ‘l’ key.</a:t>
-            </a:r>
+              <a:t> </a:t>
+            </a:r>
+            <a:r>
+              <a:rPr lang="en-GB" dirty="0" smtClean="0">
+                <a:latin typeface="+mj-lt"/>
+              </a:rPr>
+              <a:t>on the </a:t>
+            </a:r>
+            <a:r>
+              <a:rPr lang="en-GB" dirty="0" smtClean="0">
+                <a:latin typeface="+mj-lt"/>
+              </a:rPr>
+              <a:t>‘</a:t>
+            </a:r>
+            <a:r>
+              <a:rPr lang="en-GB" dirty="0" smtClean="0">
+                <a:latin typeface="+mj-lt"/>
+              </a:rPr>
+              <a:t>L’</a:t>
+            </a:r>
+            <a:r>
+              <a:rPr lang="en-GB" dirty="0" smtClean="0">
+                <a:latin typeface="+mj-lt"/>
+              </a:rPr>
+              <a:t> </a:t>
+            </a:r>
+            <a:r>
+              <a:rPr lang="en-GB" dirty="0" smtClean="0">
+                <a:latin typeface="+mj-lt"/>
+              </a:rPr>
+              <a:t>key</a:t>
+            </a:r>
+            <a:r>
+              <a:rPr lang="en-GB" dirty="0" smtClean="0">
+                <a:latin typeface="+mj-lt"/>
+              </a:rPr>
+              <a:t>.</a:t>
+            </a:r>
+          </a:p>
+          <a:p>
+            <a:pPr lvl="1"/>
             <a:endParaRPr lang="en-GB" b="0" dirty="0" smtClean="0">
               <a:effectLst/>
               <a:latin typeface="+mj-lt"/>
@@ -4627,10 +4781,16 @@
           </a:p>
           <a:p>
             <a:r>
-              <a:rPr lang="en-GB" dirty="0">
-                <a:latin typeface="+mj-lt"/>
-              </a:rPr>
-              <a:t>For this </a:t>
+              <a:rPr lang="en-GB" dirty="0" smtClean="0">
+                <a:latin typeface="+mj-lt"/>
+              </a:rPr>
+              <a:t>Let’s try a short practice round. For </a:t>
+            </a:r>
+            <a:r>
+              <a:rPr lang="en-GB" dirty="0">
+                <a:latin typeface="+mj-lt"/>
+              </a:rPr>
+              <a:t>this </a:t>
             </a:r>
             <a:r>
               <a:rPr lang="en-GB" dirty="0" smtClean="0">
@@ -4648,29 +4808,85 @@
               <a:rPr lang="en-GB" dirty="0" smtClean="0">
                 <a:latin typeface="+mj-lt"/>
               </a:rPr>
-              <a:t>sequenc</a:t>
-            </a:r>
-            <a:r>
-              <a:rPr lang="en-GB" dirty="0" smtClean="0">
-                <a:latin typeface="+mj-lt"/>
-              </a:rPr>
-              <a:t>e is composed of</a:t>
-            </a:r>
-            <a:r>
-              <a:rPr lang="en-GB" dirty="0" smtClean="0">
-                <a:latin typeface="+mj-lt"/>
-              </a:rPr>
-              <a:t> pressing </a:t>
-            </a:r>
-            <a:r>
-              <a:rPr lang="en-GB" dirty="0" smtClean="0">
-                <a:latin typeface="+mj-lt"/>
-              </a:rPr>
-              <a:t>‘A’ 8 times, followed by pressing ‘L’ 2 times, followed by pressing ‘F’ 2 times, followed by  pressing ‘L’ 2 times. This sequence will be printed on the screen, and as you travel, the last key you pressed will turn blue.</a:t>
+              <a:t>sequence is composed of pressing ‘A’ </a:t>
+            </a:r>
+            <a:r>
+              <a:rPr lang="en-GB" dirty="0" smtClean="0">
+                <a:latin typeface="+mj-lt"/>
+              </a:rPr>
+              <a:t>6 </a:t>
+            </a:r>
+            <a:r>
+              <a:rPr lang="en-GB" dirty="0" smtClean="0">
+                <a:latin typeface="+mj-lt"/>
+              </a:rPr>
+              <a:t>times, followed by pressing ‘L’ </a:t>
+            </a:r>
+            <a:r>
+              <a:rPr lang="en-GB" dirty="0" smtClean="0">
+                <a:latin typeface="+mj-lt"/>
+              </a:rPr>
+              <a:t>1 time, </a:t>
+            </a:r>
+            <a:r>
+              <a:rPr lang="en-GB" dirty="0" smtClean="0">
+                <a:latin typeface="+mj-lt"/>
+              </a:rPr>
+              <a:t>followed by pressing ‘F’ </a:t>
+            </a:r>
+            <a:r>
+              <a:rPr lang="en-GB" dirty="0" smtClean="0">
+                <a:latin typeface="+mj-lt"/>
+              </a:rPr>
+              <a:t>1 time, </a:t>
+            </a:r>
+            <a:r>
+              <a:rPr lang="en-GB" dirty="0" smtClean="0">
+                <a:latin typeface="+mj-lt"/>
+              </a:rPr>
+              <a:t>followed by  pressing </a:t>
+            </a:r>
+            <a:r>
+              <a:rPr lang="en-GB" dirty="0" smtClean="0">
+                <a:latin typeface="+mj-lt"/>
+              </a:rPr>
+              <a:t>‘H’ </a:t>
+            </a:r>
+            <a:r>
+              <a:rPr lang="en-GB" dirty="0">
+                <a:latin typeface="+mj-lt"/>
+              </a:rPr>
+              <a:t>1</a:t>
+            </a:r>
+            <a:r>
+              <a:rPr lang="en-GB" dirty="0" smtClean="0">
+                <a:latin typeface="+mj-lt"/>
+              </a:rPr>
+              <a:t> </a:t>
+            </a:r>
+            <a:r>
+              <a:rPr lang="en-GB" dirty="0" smtClean="0">
+                <a:latin typeface="+mj-lt"/>
+              </a:rPr>
+              <a:t>times. </a:t>
             </a:r>
             <a:endParaRPr lang="en-GB" dirty="0" smtClean="0">
               <a:latin typeface="+mj-lt"/>
             </a:endParaRPr>
+          </a:p>
+          <a:p>
+            <a:r>
+              <a:rPr lang="en-GB" b="1" dirty="0" smtClean="0">
+                <a:latin typeface="+mj-lt"/>
+              </a:rPr>
+              <a:t>This </a:t>
+            </a:r>
+            <a:r>
+              <a:rPr lang="en-GB" b="1" dirty="0" smtClean="0">
+                <a:latin typeface="+mj-lt"/>
+              </a:rPr>
+              <a:t>sequence will be printed on the screen, and as you travel, the last key you pressed will turn blue.</a:t>
+            </a:r>
           </a:p>
           <a:p>
             <a:r>
@@ -4796,7 +5012,7 @@
           <a:lstStyle/>
           <a:p>
             <a:r>
-              <a:rPr lang="en-GB" sz="1950" dirty="0">
+              <a:rPr lang="en-GB" sz="2400" dirty="0">
                 <a:latin typeface="+mj-lt"/>
               </a:rPr>
               <a:t>Great work.</a:t>
@@ -4804,114 +5020,164 @@
           </a:p>
           <a:p>
             <a:r>
-              <a:rPr lang="en-GB" sz="1950" dirty="0">
-                <a:latin typeface="+mj-lt"/>
-              </a:rPr>
-              <a:t>Before </a:t>
-            </a:r>
-            <a:r>
-              <a:rPr lang="en-GB" sz="1950" dirty="0">
-                <a:latin typeface="+mj-lt"/>
-              </a:rPr>
-              <a:t>each round you will be informed of the TRAVEL and HARVEST sequences. These may be different between the different rounds. </a:t>
+              <a:rPr lang="en-GB" sz="2400" dirty="0">
+                <a:latin typeface="+mj-lt"/>
+              </a:rPr>
+              <a:t>Before each round you will be informed of the TRAVEL and HARVEST sequences. These may be different between the different rounds. </a:t>
             </a:r>
           </a:p>
           <a:p>
             <a:pPr lvl="1"/>
             <a:r>
-              <a:rPr lang="en-GB" sz="1950" dirty="0">
-                <a:latin typeface="+mj-lt"/>
-              </a:rPr>
-              <a:t>The </a:t>
-            </a:r>
-            <a:r>
-              <a:rPr lang="en-GB" sz="1950" dirty="0">
-                <a:latin typeface="+mj-lt"/>
-              </a:rPr>
-              <a:t>HARVEST key </a:t>
-            </a:r>
-            <a:r>
-              <a:rPr lang="en-GB" sz="1950" dirty="0">
-                <a:latin typeface="+mj-lt"/>
-              </a:rPr>
-              <a:t>will always be </a:t>
-            </a:r>
-            <a:r>
-              <a:rPr lang="en-GB" sz="1950" dirty="0">
-                <a:latin typeface="+mj-lt"/>
-              </a:rPr>
-              <a:t>J.</a:t>
-            </a:r>
-            <a:endParaRPr lang="en-GB" sz="1950" dirty="0">
+              <a:rPr lang="en-GB" dirty="0">
+                <a:latin typeface="+mj-lt"/>
+              </a:rPr>
+              <a:t>The HARVEST key will always be J.</a:t>
+            </a:r>
+          </a:p>
+          <a:p>
+            <a:pPr lvl="1"/>
+            <a:r>
+              <a:rPr lang="en-GB" dirty="0">
+                <a:latin typeface="+mj-lt"/>
+              </a:rPr>
+              <a:t>The TRAVEL sequence will sometimes be what you just did –  A (</a:t>
+            </a:r>
+            <a:r>
+              <a:rPr lang="en-GB" dirty="0" smtClean="0">
+                <a:latin typeface="+mj-lt"/>
+              </a:rPr>
+              <a:t>x6) </a:t>
+            </a:r>
+            <a:r>
+              <a:rPr lang="en-GB" dirty="0">
+                <a:latin typeface="+mj-lt"/>
+              </a:rPr>
+              <a:t>-&gt; L (</a:t>
+            </a:r>
+            <a:r>
+              <a:rPr lang="en-GB" dirty="0" smtClean="0">
+                <a:latin typeface="+mj-lt"/>
+              </a:rPr>
+              <a:t>x1) </a:t>
+            </a:r>
+            <a:r>
+              <a:rPr lang="en-GB" dirty="0">
+                <a:latin typeface="+mj-lt"/>
+              </a:rPr>
+              <a:t>-&gt; </a:t>
+            </a:r>
+            <a:r>
+              <a:rPr lang="en-GB" dirty="0" smtClean="0">
+                <a:latin typeface="+mj-lt"/>
+              </a:rPr>
+              <a:t>F(x1) </a:t>
+            </a:r>
+            <a:r>
+              <a:rPr lang="en-GB" dirty="0">
+                <a:latin typeface="+mj-lt"/>
+              </a:rPr>
+              <a:t>-&gt; H (</a:t>
+            </a:r>
+            <a:r>
+              <a:rPr lang="en-GB" dirty="0" smtClean="0">
+                <a:latin typeface="+mj-lt"/>
+              </a:rPr>
+              <a:t>x1)</a:t>
+            </a:r>
+            <a:endParaRPr lang="en-GB" dirty="0">
               <a:latin typeface="+mj-lt"/>
             </a:endParaRPr>
           </a:p>
           <a:p>
             <a:pPr lvl="1"/>
             <a:r>
-              <a:rPr lang="en-GB" sz="1950" dirty="0">
-                <a:latin typeface="+mj-lt"/>
-              </a:rPr>
-              <a:t>The </a:t>
-            </a:r>
-            <a:r>
-              <a:rPr lang="en-GB" sz="1950" dirty="0">
-                <a:latin typeface="+mj-lt"/>
-              </a:rPr>
-              <a:t>TRAVEL </a:t>
-            </a:r>
-            <a:r>
-              <a:rPr lang="en-GB" sz="1950" dirty="0">
-                <a:latin typeface="+mj-lt"/>
-              </a:rPr>
-              <a:t>sequence will sometimes </a:t>
-            </a:r>
-            <a:r>
-              <a:rPr lang="en-GB" sz="1950" dirty="0">
-                <a:latin typeface="+mj-lt"/>
-              </a:rPr>
-              <a:t>be what you just did –  A (x8) -&gt; L (x2) -&gt; F(x2) -&gt; H (x2)</a:t>
-            </a:r>
-            <a:endParaRPr lang="en-GB" sz="1950" dirty="0">
+              <a:rPr lang="en-GB" dirty="0">
+                <a:latin typeface="+mj-lt"/>
+              </a:rPr>
+              <a:t>Other times the TRAVEL sequence will be –  </a:t>
+            </a:r>
+            <a:r>
+              <a:rPr lang="en-GB" dirty="0" smtClean="0">
+                <a:latin typeface="+mj-lt"/>
+              </a:rPr>
+              <a:t>H </a:t>
+            </a:r>
+            <a:r>
+              <a:rPr lang="en-GB" dirty="0">
+                <a:latin typeface="+mj-lt"/>
+              </a:rPr>
+              <a:t>(</a:t>
+            </a:r>
+            <a:r>
+              <a:rPr lang="en-GB" dirty="0" smtClean="0">
+                <a:latin typeface="+mj-lt"/>
+              </a:rPr>
+              <a:t>x6) </a:t>
+            </a:r>
+            <a:r>
+              <a:rPr lang="en-GB" dirty="0">
+                <a:latin typeface="+mj-lt"/>
+              </a:rPr>
+              <a:t>-&gt; </a:t>
+            </a:r>
+            <a:r>
+              <a:rPr lang="en-GB" dirty="0" smtClean="0">
+                <a:latin typeface="+mj-lt"/>
+              </a:rPr>
+              <a:t>A </a:t>
+            </a:r>
+            <a:r>
+              <a:rPr lang="en-GB" dirty="0">
+                <a:latin typeface="+mj-lt"/>
+              </a:rPr>
+              <a:t>(</a:t>
+            </a:r>
+            <a:r>
+              <a:rPr lang="en-GB" dirty="0" smtClean="0">
+                <a:latin typeface="+mj-lt"/>
+              </a:rPr>
+              <a:t>x1) </a:t>
+            </a:r>
+            <a:r>
+              <a:rPr lang="en-GB" dirty="0">
+                <a:latin typeface="+mj-lt"/>
+              </a:rPr>
+              <a:t>-&gt; </a:t>
+            </a:r>
+            <a:r>
+              <a:rPr lang="en-GB" dirty="0" smtClean="0">
+                <a:latin typeface="+mj-lt"/>
+              </a:rPr>
+              <a:t>L(x1) </a:t>
+            </a:r>
+            <a:r>
+              <a:rPr lang="en-GB" dirty="0">
+                <a:latin typeface="+mj-lt"/>
+              </a:rPr>
+              <a:t>-&gt; </a:t>
+            </a:r>
+            <a:r>
+              <a:rPr lang="en-GB" dirty="0" smtClean="0">
+                <a:latin typeface="+mj-lt"/>
+              </a:rPr>
+              <a:t>F </a:t>
+            </a:r>
+            <a:r>
+              <a:rPr lang="en-GB" dirty="0">
+                <a:latin typeface="+mj-lt"/>
+              </a:rPr>
+              <a:t>(</a:t>
+            </a:r>
+            <a:r>
+              <a:rPr lang="en-GB" dirty="0" smtClean="0">
+                <a:latin typeface="+mj-lt"/>
+              </a:rPr>
+              <a:t>x1)</a:t>
+            </a:r>
+            <a:endParaRPr lang="en-GB" dirty="0">
               <a:latin typeface="+mj-lt"/>
             </a:endParaRPr>
-          </a:p>
-          <a:p>
-            <a:pPr lvl="1"/>
-            <a:r>
-              <a:rPr lang="en-GB" sz="1950" dirty="0">
-                <a:latin typeface="+mj-lt"/>
-              </a:rPr>
-              <a:t>Other times the </a:t>
-            </a:r>
-            <a:r>
-              <a:rPr lang="en-GB" sz="1950" dirty="0"/>
-              <a:t>TRAVEL</a:t>
-            </a:r>
-            <a:r>
-              <a:rPr lang="en-GB" sz="1950" dirty="0">
-                <a:latin typeface="+mj-lt"/>
-              </a:rPr>
-              <a:t> </a:t>
-            </a:r>
-            <a:r>
-              <a:rPr lang="en-GB" sz="1950" dirty="0">
-                <a:latin typeface="+mj-lt"/>
-              </a:rPr>
-              <a:t>sequence will be </a:t>
-            </a:r>
-            <a:r>
-              <a:rPr lang="en-GB" sz="1950" dirty="0"/>
-              <a:t>–  </a:t>
-            </a:r>
-            <a:r>
-              <a:rPr lang="en-GB" sz="1950" dirty="0"/>
-              <a:t> </a:t>
-            </a:r>
-            <a:r>
-              <a:rPr lang="en-GB" sz="1950" dirty="0"/>
-              <a:t>(x8) -&gt; L (x2) -&gt; F(x2) -&gt; H (x2)</a:t>
-            </a:r>
           </a:p>
           <a:p>
             <a:endParaRPr lang="en-GB" dirty="0">
@@ -4976,73 +5242,49 @@
               <a:rPr lang="en-GB" sz="1950" dirty="0">
                 <a:latin typeface="+mj-lt"/>
               </a:rPr>
-              <a:t>Each </a:t>
-            </a:r>
-            <a:r>
-              <a:rPr lang="en-GB" sz="1950" dirty="0">
-                <a:latin typeface="+mj-lt"/>
-              </a:rPr>
-              <a:t>round </a:t>
-            </a:r>
-            <a:r>
-              <a:rPr lang="en-GB" sz="1950" dirty="0">
-                <a:latin typeface="+mj-lt"/>
-              </a:rPr>
-              <a:t>in the task will </a:t>
-            </a:r>
-            <a:r>
-              <a:rPr lang="en-GB" sz="1950" dirty="0">
-                <a:latin typeface="+mj-lt"/>
-              </a:rPr>
-              <a:t>last </a:t>
-            </a:r>
-            <a:r>
-              <a:rPr lang="en-GB" sz="1950" dirty="0">
-                <a:latin typeface="+mj-lt"/>
-              </a:rPr>
-              <a:t>90 seconds.</a:t>
-            </a:r>
-          </a:p>
-          <a:p>
-            <a:r>
-              <a:rPr lang="en-GB" sz="1950" dirty="0">
-                <a:latin typeface="+mj-lt"/>
-              </a:rPr>
-              <a:t>The </a:t>
-            </a:r>
-            <a:r>
-              <a:rPr lang="en-GB" sz="1950" dirty="0">
-                <a:latin typeface="+mj-lt"/>
-              </a:rPr>
-              <a:t>total number of points that you collect in a round will be affected both by how quickly you enter the sequences, as well as how long you decide to harvest from a tree as its points decrease</a:t>
-            </a:r>
-            <a:r>
-              <a:rPr lang="en-GB" sz="1950" dirty="0">
-                <a:latin typeface="+mj-lt"/>
-              </a:rPr>
-              <a:t>.</a:t>
-            </a:r>
-          </a:p>
-          <a:p>
-            <a:r>
-              <a:rPr lang="en-GB" sz="1950" dirty="0"/>
-              <a:t>Before you begin, you will need to pass a quiz on the instructions. </a:t>
-            </a:r>
-          </a:p>
-          <a:p>
-            <a:r>
-              <a:rPr lang="en-GB" sz="1950" dirty="0"/>
-              <a:t>Either answering a question wrong, or answering ‘I don’t know’, will require you to re-read the instructions. However, you will not need to redo the practice round. </a:t>
-            </a:r>
-          </a:p>
-          <a:p>
-            <a:r>
-              <a:rPr lang="en-GB" sz="1950" dirty="0"/>
-              <a:t>Press NEXT to begin the quiz.</a:t>
+              <a:t>Each round in the task will last </a:t>
+            </a:r>
+            <a:r>
+              <a:rPr lang="en-GB" sz="1950" dirty="0" smtClean="0">
+                <a:latin typeface="+mj-lt"/>
+              </a:rPr>
+              <a:t>2 minutes.</a:t>
             </a:r>
             <a:endParaRPr lang="en-GB" sz="1950" dirty="0">
               <a:latin typeface="+mj-lt"/>
             </a:endParaRPr>
+          </a:p>
+          <a:p>
+            <a:r>
+              <a:rPr lang="en-GB" sz="1950" dirty="0">
+                <a:latin typeface="+mj-lt"/>
+              </a:rPr>
+              <a:t>The total number of points that you collect in a round will be affected both by how quickly you enter the sequences, as well as how long you decide to harvest from a tree as its points decrease.</a:t>
+            </a:r>
+          </a:p>
+          <a:p>
+            <a:r>
+              <a:rPr lang="en-GB" sz="1950" dirty="0">
+                <a:latin typeface="+mj-lt"/>
+              </a:rPr>
+              <a:t>Before you begin, you will need to pass a quiz on the instructions. </a:t>
+            </a:r>
+          </a:p>
+          <a:p>
+            <a:r>
+              <a:rPr lang="en-GB" sz="1950" dirty="0">
+                <a:latin typeface="+mj-lt"/>
+              </a:rPr>
+              <a:t>Either answering a question wrong, or answering ‘I don’t know’, will require you to re-read the instructions. However, you will not need to redo the practice round. </a:t>
+            </a:r>
+          </a:p>
+          <a:p>
+            <a:r>
+              <a:rPr lang="en-GB" sz="1950" dirty="0">
+                <a:latin typeface="+mj-lt"/>
+              </a:rPr>
+              <a:t>Press NEXT to begin the quiz.</a:t>
+            </a:r>
           </a:p>
         </p:txBody>
       </p:sp>
